--- a/Manea_Andreas_Prezentare_ASIPSI.pptx
+++ b/Manea_Andreas_Prezentare_ASIPSI.pptx
@@ -9,9 +9,10 @@
     <p:sldId id="258" r:id="rId3"/>
     <p:sldId id="257" r:id="rId4"/>
     <p:sldId id="259" r:id="rId5"/>
-    <p:sldId id="260" r:id="rId6"/>
-    <p:sldId id="261" r:id="rId7"/>
-    <p:sldId id="262" r:id="rId8"/>
+    <p:sldId id="263" r:id="rId6"/>
+    <p:sldId id="260" r:id="rId7"/>
+    <p:sldId id="261" r:id="rId8"/>
+    <p:sldId id="262" r:id="rId9"/>
   </p:sldIdLst>
   <p:sldSz cx="12192000" cy="6858000"/>
   <p:notesSz cx="6858000" cy="9144000"/>
@@ -110,6 +111,11 @@
       </a:defRPr>
     </a:lvl9pPr>
   </p:defaultTextStyle>
+  <p:extLst>
+    <p:ext uri="{EFAFB233-063F-42B5-8137-9DF3F51BA10A}">
+      <p15:sldGuideLst xmlns:p15="http://schemas.microsoft.com/office/powerpoint/2012/main"/>
+    </p:ext>
+  </p:extLst>
 </p:presentation>
 </file>
 
@@ -304,7 +310,7 @@
           <a:p>
             <a:fld id="{25F86587-006D-4D1A-9B3A-22966B7BC5FF}" type="datetimeFigureOut">
               <a:rPr lang="en-001" smtClean="0"/>
-              <a:t>16/04/2024</a:t>
+              <a:t>04/16/2024</a:t>
             </a:fld>
             <a:endParaRPr lang="en-001"/>
           </a:p>
@@ -740,7 +746,7 @@
           <a:p>
             <a:fld id="{25F86587-006D-4D1A-9B3A-22966B7BC5FF}" type="datetimeFigureOut">
               <a:rPr lang="en-001" smtClean="0"/>
-              <a:t>16/04/2024</a:t>
+              <a:t>04/16/2024</a:t>
             </a:fld>
             <a:endParaRPr lang="en-001"/>
           </a:p>
@@ -990,7 +996,7 @@
           <a:p>
             <a:fld id="{25F86587-006D-4D1A-9B3A-22966B7BC5FF}" type="datetimeFigureOut">
               <a:rPr lang="en-001" smtClean="0"/>
-              <a:t>16/04/2024</a:t>
+              <a:t>04/16/2024</a:t>
             </a:fld>
             <a:endParaRPr lang="en-001"/>
           </a:p>
@@ -1298,7 +1304,7 @@
           <a:p>
             <a:fld id="{25F86587-006D-4D1A-9B3A-22966B7BC5FF}" type="datetimeFigureOut">
               <a:rPr lang="en-001" smtClean="0"/>
-              <a:t>16/04/2024</a:t>
+              <a:t>04/16/2024</a:t>
             </a:fld>
             <a:endParaRPr lang="en-001"/>
           </a:p>
@@ -1616,7 +1622,7 @@
           <a:p>
             <a:fld id="{25F86587-006D-4D1A-9B3A-22966B7BC5FF}" type="datetimeFigureOut">
               <a:rPr lang="en-001" smtClean="0"/>
-              <a:t>16/04/2024</a:t>
+              <a:t>04/16/2024</a:t>
             </a:fld>
             <a:endParaRPr lang="en-001"/>
           </a:p>
@@ -1918,7 +1924,7 @@
           <a:p>
             <a:fld id="{25F86587-006D-4D1A-9B3A-22966B7BC5FF}" type="datetimeFigureOut">
               <a:rPr lang="en-001" smtClean="0"/>
-              <a:t>16/04/2024</a:t>
+              <a:t>04/16/2024</a:t>
             </a:fld>
             <a:endParaRPr lang="en-001"/>
           </a:p>
@@ -2285,7 +2291,7 @@
           <a:p>
             <a:fld id="{25F86587-006D-4D1A-9B3A-22966B7BC5FF}" type="datetimeFigureOut">
               <a:rPr lang="en-001" smtClean="0"/>
-              <a:t>16/04/2024</a:t>
+              <a:t>04/16/2024</a:t>
             </a:fld>
             <a:endParaRPr lang="en-001"/>
           </a:p>
@@ -2459,7 +2465,7 @@
           <a:p>
             <a:fld id="{25F86587-006D-4D1A-9B3A-22966B7BC5FF}" type="datetimeFigureOut">
               <a:rPr lang="en-001" smtClean="0"/>
-              <a:t>16/04/2024</a:t>
+              <a:t>04/16/2024</a:t>
             </a:fld>
             <a:endParaRPr lang="en-001"/>
           </a:p>
@@ -2639,7 +2645,7 @@
           <a:p>
             <a:fld id="{25F86587-006D-4D1A-9B3A-22966B7BC5FF}" type="datetimeFigureOut">
               <a:rPr lang="en-001" smtClean="0"/>
-              <a:t>16/04/2024</a:t>
+              <a:t>04/16/2024</a:t>
             </a:fld>
             <a:endParaRPr lang="en-001"/>
           </a:p>
@@ -2809,7 +2815,7 @@
           <a:p>
             <a:fld id="{25F86587-006D-4D1A-9B3A-22966B7BC5FF}" type="datetimeFigureOut">
               <a:rPr lang="en-001" smtClean="0"/>
-              <a:t>16/04/2024</a:t>
+              <a:t>04/16/2024</a:t>
             </a:fld>
             <a:endParaRPr lang="en-001"/>
           </a:p>
@@ -3059,7 +3065,7 @@
           <a:p>
             <a:fld id="{25F86587-006D-4D1A-9B3A-22966B7BC5FF}" type="datetimeFigureOut">
               <a:rPr lang="en-001" smtClean="0"/>
-              <a:t>16/04/2024</a:t>
+              <a:t>04/16/2024</a:t>
             </a:fld>
             <a:endParaRPr lang="en-001"/>
           </a:p>
@@ -3295,7 +3301,7 @@
           <a:p>
             <a:fld id="{25F86587-006D-4D1A-9B3A-22966B7BC5FF}" type="datetimeFigureOut">
               <a:rPr lang="en-001" smtClean="0"/>
-              <a:t>16/04/2024</a:t>
+              <a:t>04/16/2024</a:t>
             </a:fld>
             <a:endParaRPr lang="en-001"/>
           </a:p>
@@ -3677,7 +3683,7 @@
           <a:p>
             <a:fld id="{25F86587-006D-4D1A-9B3A-22966B7BC5FF}" type="datetimeFigureOut">
               <a:rPr lang="en-001" smtClean="0"/>
-              <a:t>16/04/2024</a:t>
+              <a:t>04/16/2024</a:t>
             </a:fld>
             <a:endParaRPr lang="en-001"/>
           </a:p>
@@ -3795,7 +3801,7 @@
           <a:p>
             <a:fld id="{25F86587-006D-4D1A-9B3A-22966B7BC5FF}" type="datetimeFigureOut">
               <a:rPr lang="en-001" smtClean="0"/>
-              <a:t>16/04/2024</a:t>
+              <a:t>04/16/2024</a:t>
             </a:fld>
             <a:endParaRPr lang="en-001"/>
           </a:p>
@@ -3890,7 +3896,7 @@
           <a:p>
             <a:fld id="{25F86587-006D-4D1A-9B3A-22966B7BC5FF}" type="datetimeFigureOut">
               <a:rPr lang="en-001" smtClean="0"/>
-              <a:t>16/04/2024</a:t>
+              <a:t>04/16/2024</a:t>
             </a:fld>
             <a:endParaRPr lang="en-001"/>
           </a:p>
@@ -4145,7 +4151,7 @@
           <a:p>
             <a:fld id="{25F86587-006D-4D1A-9B3A-22966B7BC5FF}" type="datetimeFigureOut">
               <a:rPr lang="en-001" smtClean="0"/>
-              <a:t>16/04/2024</a:t>
+              <a:t>04/16/2024</a:t>
             </a:fld>
             <a:endParaRPr lang="en-001"/>
           </a:p>
@@ -4428,7 +4434,7 @@
           <a:p>
             <a:fld id="{25F86587-006D-4D1A-9B3A-22966B7BC5FF}" type="datetimeFigureOut">
               <a:rPr lang="en-001" smtClean="0"/>
-              <a:t>16/04/2024</a:t>
+              <a:t>04/16/2024</a:t>
             </a:fld>
             <a:endParaRPr lang="en-001"/>
           </a:p>
@@ -4834,7 +4840,7 @@
           <a:p>
             <a:fld id="{25F86587-006D-4D1A-9B3A-22966B7BC5FF}" type="datetimeFigureOut">
               <a:rPr lang="en-001" smtClean="0"/>
-              <a:t>16/04/2024</a:t>
+              <a:t>04/16/2024</a:t>
             </a:fld>
             <a:endParaRPr lang="en-001"/>
           </a:p>
@@ -6350,8 +6356,8 @@
         </p:nvSpPr>
         <p:spPr>
           <a:xfrm>
-            <a:off x="684212" y="683309"/>
-            <a:ext cx="8534400" cy="1507067"/>
+            <a:off x="684212" y="683310"/>
+            <a:ext cx="8534400" cy="1055550"/>
           </a:xfrm>
         </p:spPr>
         <p:txBody>
@@ -6360,7 +6366,7 @@
           <a:p>
             <a:r>
               <a:rPr lang="en-US" dirty="0" err="1"/>
-              <a:t>functionalitati</a:t>
+              <a:t>opengl</a:t>
             </a:r>
             <a:endParaRPr lang="en-001" dirty="0"/>
           </a:p>
@@ -6384,56 +6390,471 @@
         </p:nvSpPr>
         <p:spPr>
           <a:xfrm>
-            <a:off x="684212" y="2559424"/>
-            <a:ext cx="8534400" cy="3615267"/>
+            <a:off x="684212" y="1738860"/>
+            <a:ext cx="8534400" cy="1055551"/>
           </a:xfrm>
         </p:spPr>
         <p:txBody>
           <a:bodyPr/>
           <a:lstStyle/>
           <a:p>
-            <a:pPr>
-              <a:buFont typeface="Arial" panose="020B0604020202020204" pitchFamily="34" charset="0"/>
-              <a:buChar char="•"/>
+            <a:pPr marL="0" indent="0">
+              <a:buNone/>
             </a:pPr>
             <a:r>
-              <a:rPr lang="en-US" dirty="0" err="1"/>
-              <a:t>Simulare</a:t>
-            </a:r>
-            <a:r>
-              <a:rPr lang="en-US" dirty="0"/>
-              <a:t> </a:t>
-            </a:r>
-            <a:r>
-              <a:rPr lang="en-US" dirty="0" err="1"/>
-              <a:t>fenomene</a:t>
-            </a:r>
-            <a:r>
-              <a:rPr lang="en-US" dirty="0"/>
-              <a:t> </a:t>
-            </a:r>
-            <a:r>
-              <a:rPr lang="en-US" dirty="0" err="1"/>
-              <a:t>fizice</a:t>
-            </a:r>
-            <a:endParaRPr lang="en-US" dirty="0"/>
-          </a:p>
-          <a:p>
-            <a:pPr>
-              <a:buFont typeface="Arial" panose="020B0604020202020204" pitchFamily="34" charset="0"/>
-              <a:buChar char="•"/>
+              <a:rPr lang="en-US" dirty="0"/>
+              <a:t>OpenGL </a:t>
+            </a:r>
+            <a:r>
+              <a:rPr lang="en-US" dirty="0" err="1"/>
+              <a:t>este</a:t>
+            </a:r>
+            <a:r>
+              <a:rPr lang="en-US" dirty="0"/>
+              <a:t> un API </a:t>
+            </a:r>
+            <a:r>
+              <a:rPr lang="en-US" dirty="0" err="1"/>
+              <a:t>pentru</a:t>
+            </a:r>
+            <a:r>
+              <a:rPr lang="en-US" dirty="0"/>
+              <a:t> </a:t>
+            </a:r>
+            <a:r>
+              <a:rPr lang="en-US" dirty="0" err="1"/>
+              <a:t>comunicarea</a:t>
+            </a:r>
+            <a:r>
+              <a:rPr lang="en-US" dirty="0"/>
+              <a:t> cu </a:t>
+            </a:r>
+            <a:r>
+              <a:rPr lang="en-US" dirty="0" err="1"/>
+              <a:t>placa</a:t>
+            </a:r>
+            <a:r>
+              <a:rPr lang="en-US" dirty="0"/>
+              <a:t> video </a:t>
+            </a:r>
+            <a:r>
+              <a:rPr lang="en-US" dirty="0" err="1"/>
+              <a:t>pentru</a:t>
+            </a:r>
+            <a:r>
+              <a:rPr lang="en-US" dirty="0"/>
+              <a:t> </a:t>
+            </a:r>
+            <a:r>
+              <a:rPr lang="en-US" dirty="0" err="1"/>
+              <a:t>randare</a:t>
+            </a:r>
+            <a:r>
+              <a:rPr lang="en-US" dirty="0"/>
+              <a:t> 2D </a:t>
+            </a:r>
+            <a:r>
+              <a:rPr lang="en-US" dirty="0" err="1"/>
+              <a:t>si</a:t>
+            </a:r>
+            <a:r>
+              <a:rPr lang="en-US" dirty="0"/>
+              <a:t> 3D.</a:t>
+            </a:r>
+          </a:p>
+        </p:txBody>
+      </p:sp>
+      <p:sp>
+        <p:nvSpPr>
+          <p:cNvPr id="4" name="Title 1">
+            <a:extLst>
+              <a:ext uri="{FF2B5EF4-FFF2-40B4-BE49-F238E27FC236}">
+                <a16:creationId xmlns:a16="http://schemas.microsoft.com/office/drawing/2014/main" id="{318CA8F8-6F97-418F-7CE6-695D4AE98FFE}"/>
+              </a:ext>
+            </a:extLst>
+          </p:cNvPr>
+          <p:cNvSpPr txBox="1">
+            <a:spLocks/>
+          </p:cNvSpPr>
+          <p:nvPr/>
+        </p:nvSpPr>
+        <p:spPr>
+          <a:xfrm>
+            <a:off x="684212" y="2794411"/>
+            <a:ext cx="8534400" cy="634589"/>
+          </a:xfrm>
+          <a:prstGeom prst="rect">
+            <a:avLst/>
+          </a:prstGeom>
+          <a:effectLst/>
+        </p:spPr>
+        <p:txBody>
+          <a:bodyPr vert="horz" lIns="91440" tIns="45720" rIns="91440" bIns="45720" rtlCol="0" anchor="ctr">
+            <a:normAutofit lnSpcReduction="10000"/>
+          </a:bodyPr>
+          <a:lstStyle>
+            <a:lvl1pPr algn="l" defTabSz="457200" rtl="0" eaLnBrk="1" latinLnBrk="0" hangingPunct="1">
+              <a:spcBef>
+                <a:spcPct val="0"/>
+              </a:spcBef>
+              <a:buNone/>
+              <a:defRPr sz="3600" kern="1200" cap="all">
+                <a:ln w="3175" cmpd="sng">
+                  <a:noFill/>
+                </a:ln>
+                <a:solidFill>
+                  <a:schemeClr val="tx1"/>
+                </a:solidFill>
+                <a:effectLst/>
+                <a:latin typeface="+mj-lt"/>
+                <a:ea typeface="+mj-ea"/>
+                <a:cs typeface="+mj-cs"/>
+              </a:defRPr>
+            </a:lvl1pPr>
+            <a:lvl2pPr eaLnBrk="1" hangingPunct="1">
+              <a:defRPr>
+                <a:solidFill>
+                  <a:schemeClr val="tx2"/>
+                </a:solidFill>
+              </a:defRPr>
+            </a:lvl2pPr>
+            <a:lvl3pPr eaLnBrk="1" hangingPunct="1">
+              <a:defRPr>
+                <a:solidFill>
+                  <a:schemeClr val="tx2"/>
+                </a:solidFill>
+              </a:defRPr>
+            </a:lvl3pPr>
+            <a:lvl4pPr eaLnBrk="1" hangingPunct="1">
+              <a:defRPr>
+                <a:solidFill>
+                  <a:schemeClr val="tx2"/>
+                </a:solidFill>
+              </a:defRPr>
+            </a:lvl4pPr>
+            <a:lvl5pPr eaLnBrk="1" hangingPunct="1">
+              <a:defRPr>
+                <a:solidFill>
+                  <a:schemeClr val="tx2"/>
+                </a:solidFill>
+              </a:defRPr>
+            </a:lvl5pPr>
+            <a:lvl6pPr eaLnBrk="1" hangingPunct="1">
+              <a:defRPr>
+                <a:solidFill>
+                  <a:schemeClr val="tx2"/>
+                </a:solidFill>
+              </a:defRPr>
+            </a:lvl6pPr>
+            <a:lvl7pPr eaLnBrk="1" hangingPunct="1">
+              <a:defRPr>
+                <a:solidFill>
+                  <a:schemeClr val="tx2"/>
+                </a:solidFill>
+              </a:defRPr>
+            </a:lvl7pPr>
+            <a:lvl8pPr eaLnBrk="1" hangingPunct="1">
+              <a:defRPr>
+                <a:solidFill>
+                  <a:schemeClr val="tx2"/>
+                </a:solidFill>
+              </a:defRPr>
+            </a:lvl8pPr>
+            <a:lvl9pPr eaLnBrk="1" hangingPunct="1">
+              <a:defRPr>
+                <a:solidFill>
+                  <a:schemeClr val="tx2"/>
+                </a:solidFill>
+              </a:defRPr>
+            </a:lvl9pPr>
+          </a:lstStyle>
+          <a:p>
+            <a:r>
+              <a:rPr lang="en-US" dirty="0" err="1"/>
+              <a:t>imgui</a:t>
+            </a:r>
+            <a:endParaRPr lang="en-001" dirty="0"/>
+          </a:p>
+        </p:txBody>
+      </p:sp>
+      <p:sp>
+        <p:nvSpPr>
+          <p:cNvPr id="5" name="Content Placeholder 2">
+            <a:extLst>
+              <a:ext uri="{FF2B5EF4-FFF2-40B4-BE49-F238E27FC236}">
+                <a16:creationId xmlns:a16="http://schemas.microsoft.com/office/drawing/2014/main" id="{F81AC60B-23B5-E241-5A6A-036BF4519204}"/>
+              </a:ext>
+            </a:extLst>
+          </p:cNvPr>
+          <p:cNvSpPr txBox="1">
+            <a:spLocks/>
+          </p:cNvSpPr>
+          <p:nvPr/>
+        </p:nvSpPr>
+        <p:spPr>
+          <a:xfrm>
+            <a:off x="684212" y="3431499"/>
+            <a:ext cx="8534400" cy="1055551"/>
+          </a:xfrm>
+          <a:prstGeom prst="rect">
+            <a:avLst/>
+          </a:prstGeom>
+        </p:spPr>
+        <p:txBody>
+          <a:bodyPr vert="horz" lIns="91440" tIns="45720" rIns="91440" bIns="45720" rtlCol="0" anchor="ctr">
+            <a:normAutofit/>
+          </a:bodyPr>
+          <a:lstStyle>
+            <a:lvl1pPr marL="285750" indent="-285750" algn="l" defTabSz="457200" rtl="0" eaLnBrk="1" latinLnBrk="0" hangingPunct="1">
+              <a:spcBef>
+                <a:spcPct val="20000"/>
+              </a:spcBef>
+              <a:spcAft>
+                <a:spcPts val="600"/>
+              </a:spcAft>
+              <a:buClr>
+                <a:schemeClr val="tx1"/>
+              </a:buClr>
+              <a:buSzPct val="80000"/>
+              <a:buFont typeface="Wingdings 3" panose="05040102010807070707" pitchFamily="18" charset="2"/>
+              <a:buChar char=""/>
+              <a:defRPr sz="2000" kern="1200" cap="none">
+                <a:solidFill>
+                  <a:schemeClr val="bg2">
+                    <a:lumMod val="75000"/>
+                  </a:schemeClr>
+                </a:solidFill>
+                <a:effectLst/>
+                <a:latin typeface="+mn-lt"/>
+                <a:ea typeface="+mn-ea"/>
+                <a:cs typeface="+mn-cs"/>
+              </a:defRPr>
+            </a:lvl1pPr>
+            <a:lvl2pPr marL="742950" indent="-285750" algn="l" defTabSz="457200" rtl="0" eaLnBrk="1" latinLnBrk="0" hangingPunct="1">
+              <a:spcBef>
+                <a:spcPct val="20000"/>
+              </a:spcBef>
+              <a:spcAft>
+                <a:spcPts val="600"/>
+              </a:spcAft>
+              <a:buClr>
+                <a:schemeClr val="tx1"/>
+              </a:buClr>
+              <a:buSzPct val="80000"/>
+              <a:buFont typeface="Wingdings 3" panose="05040102010807070707" pitchFamily="18" charset="2"/>
+              <a:buChar char=""/>
+              <a:defRPr sz="1800" kern="1200" cap="none">
+                <a:solidFill>
+                  <a:schemeClr val="bg2">
+                    <a:lumMod val="75000"/>
+                  </a:schemeClr>
+                </a:solidFill>
+                <a:effectLst/>
+                <a:latin typeface="+mn-lt"/>
+                <a:ea typeface="+mn-ea"/>
+                <a:cs typeface="+mn-cs"/>
+              </a:defRPr>
+            </a:lvl2pPr>
+            <a:lvl3pPr marL="1200150" indent="-285750" algn="l" defTabSz="457200" rtl="0" eaLnBrk="1" latinLnBrk="0" hangingPunct="1">
+              <a:spcBef>
+                <a:spcPct val="20000"/>
+              </a:spcBef>
+              <a:spcAft>
+                <a:spcPts val="600"/>
+              </a:spcAft>
+              <a:buClr>
+                <a:schemeClr val="tx1"/>
+              </a:buClr>
+              <a:buSzPct val="80000"/>
+              <a:buFont typeface="Wingdings 3" panose="05040102010807070707" pitchFamily="18" charset="2"/>
+              <a:buChar char=""/>
+              <a:defRPr sz="1600" kern="1200" cap="none">
+                <a:solidFill>
+                  <a:schemeClr val="bg2">
+                    <a:lumMod val="75000"/>
+                  </a:schemeClr>
+                </a:solidFill>
+                <a:effectLst/>
+                <a:latin typeface="+mn-lt"/>
+                <a:ea typeface="+mn-ea"/>
+                <a:cs typeface="+mn-cs"/>
+              </a:defRPr>
+            </a:lvl3pPr>
+            <a:lvl4pPr marL="1543050" indent="-171450" algn="l" defTabSz="457200" rtl="0" eaLnBrk="1" latinLnBrk="0" hangingPunct="1">
+              <a:spcBef>
+                <a:spcPct val="20000"/>
+              </a:spcBef>
+              <a:spcAft>
+                <a:spcPts val="600"/>
+              </a:spcAft>
+              <a:buClr>
+                <a:schemeClr val="tx1"/>
+              </a:buClr>
+              <a:buSzPct val="80000"/>
+              <a:buFont typeface="Wingdings 3" panose="05040102010807070707" pitchFamily="18" charset="2"/>
+              <a:buChar char=""/>
+              <a:defRPr sz="1400" kern="1200" cap="none">
+                <a:solidFill>
+                  <a:schemeClr val="bg2">
+                    <a:lumMod val="75000"/>
+                  </a:schemeClr>
+                </a:solidFill>
+                <a:effectLst/>
+                <a:latin typeface="+mn-lt"/>
+                <a:ea typeface="+mn-ea"/>
+                <a:cs typeface="+mn-cs"/>
+              </a:defRPr>
+            </a:lvl4pPr>
+            <a:lvl5pPr marL="2000250" indent="-171450" algn="l" defTabSz="457200" rtl="0" eaLnBrk="1" latinLnBrk="0" hangingPunct="1">
+              <a:spcBef>
+                <a:spcPct val="20000"/>
+              </a:spcBef>
+              <a:spcAft>
+                <a:spcPts val="600"/>
+              </a:spcAft>
+              <a:buClr>
+                <a:schemeClr val="tx1"/>
+              </a:buClr>
+              <a:buSzPct val="80000"/>
+              <a:buFont typeface="Wingdings 3" panose="05040102010807070707" pitchFamily="18" charset="2"/>
+              <a:buChar char=""/>
+              <a:defRPr sz="1400" kern="1200" cap="none">
+                <a:solidFill>
+                  <a:schemeClr val="bg2">
+                    <a:lumMod val="75000"/>
+                  </a:schemeClr>
+                </a:solidFill>
+                <a:effectLst/>
+                <a:latin typeface="+mn-lt"/>
+                <a:ea typeface="+mn-ea"/>
+                <a:cs typeface="+mn-cs"/>
+              </a:defRPr>
+            </a:lvl5pPr>
+            <a:lvl6pPr marL="2514600" indent="-228600" algn="l" defTabSz="457200" rtl="0" eaLnBrk="1" latinLnBrk="0" hangingPunct="1">
+              <a:spcBef>
+                <a:spcPct val="20000"/>
+              </a:spcBef>
+              <a:spcAft>
+                <a:spcPts val="600"/>
+              </a:spcAft>
+              <a:buClr>
+                <a:schemeClr val="tx1"/>
+              </a:buClr>
+              <a:buSzPct val="80000"/>
+              <a:buFont typeface="Wingdings 3" panose="05040102010807070707" pitchFamily="18" charset="2"/>
+              <a:buChar char=""/>
+              <a:defRPr sz="1400" kern="1200" cap="none">
+                <a:solidFill>
+                  <a:schemeClr val="bg2">
+                    <a:lumMod val="75000"/>
+                  </a:schemeClr>
+                </a:solidFill>
+                <a:effectLst/>
+                <a:latin typeface="+mn-lt"/>
+                <a:ea typeface="+mn-ea"/>
+                <a:cs typeface="+mn-cs"/>
+              </a:defRPr>
+            </a:lvl6pPr>
+            <a:lvl7pPr marL="2971800" indent="-228600" algn="l" defTabSz="457200" rtl="0" eaLnBrk="1" latinLnBrk="0" hangingPunct="1">
+              <a:spcBef>
+                <a:spcPct val="20000"/>
+              </a:spcBef>
+              <a:spcAft>
+                <a:spcPts val="600"/>
+              </a:spcAft>
+              <a:buClr>
+                <a:schemeClr val="tx1"/>
+              </a:buClr>
+              <a:buSzPct val="80000"/>
+              <a:buFont typeface="Wingdings 3" panose="05040102010807070707" pitchFamily="18" charset="2"/>
+              <a:buChar char=""/>
+              <a:defRPr sz="1400" kern="1200" cap="none">
+                <a:solidFill>
+                  <a:schemeClr val="bg2">
+                    <a:lumMod val="75000"/>
+                  </a:schemeClr>
+                </a:solidFill>
+                <a:effectLst/>
+                <a:latin typeface="+mn-lt"/>
+                <a:ea typeface="+mn-ea"/>
+                <a:cs typeface="+mn-cs"/>
+              </a:defRPr>
+            </a:lvl7pPr>
+            <a:lvl8pPr marL="3429000" indent="-228600" algn="l" defTabSz="457200" rtl="0" eaLnBrk="1" latinLnBrk="0" hangingPunct="1">
+              <a:spcBef>
+                <a:spcPct val="20000"/>
+              </a:spcBef>
+              <a:spcAft>
+                <a:spcPts val="600"/>
+              </a:spcAft>
+              <a:buClr>
+                <a:schemeClr val="tx1"/>
+              </a:buClr>
+              <a:buSzPct val="80000"/>
+              <a:buFont typeface="Wingdings 3" panose="05040102010807070707" pitchFamily="18" charset="2"/>
+              <a:buChar char=""/>
+              <a:defRPr sz="1400" kern="1200" cap="none">
+                <a:solidFill>
+                  <a:schemeClr val="bg2">
+                    <a:lumMod val="75000"/>
+                  </a:schemeClr>
+                </a:solidFill>
+                <a:effectLst/>
+                <a:latin typeface="+mn-lt"/>
+                <a:ea typeface="+mn-ea"/>
+                <a:cs typeface="+mn-cs"/>
+              </a:defRPr>
+            </a:lvl8pPr>
+            <a:lvl9pPr marL="3886200" indent="-228600" algn="l" defTabSz="457200" rtl="0" eaLnBrk="1" latinLnBrk="0" hangingPunct="1">
+              <a:spcBef>
+                <a:spcPct val="20000"/>
+              </a:spcBef>
+              <a:spcAft>
+                <a:spcPts val="600"/>
+              </a:spcAft>
+              <a:buClr>
+                <a:schemeClr val="tx1"/>
+              </a:buClr>
+              <a:buSzPct val="80000"/>
+              <a:buFont typeface="Wingdings 3" panose="05040102010807070707" pitchFamily="18" charset="2"/>
+              <a:buChar char=""/>
+              <a:defRPr sz="1400" kern="1200" cap="none">
+                <a:solidFill>
+                  <a:schemeClr val="bg2">
+                    <a:lumMod val="75000"/>
+                  </a:schemeClr>
+                </a:solidFill>
+                <a:effectLst/>
+                <a:latin typeface="+mn-lt"/>
+                <a:ea typeface="+mn-ea"/>
+                <a:cs typeface="+mn-cs"/>
+              </a:defRPr>
+            </a:lvl9pPr>
+          </a:lstStyle>
+          <a:p>
+            <a:pPr marL="0" indent="0">
+              <a:buFont typeface="Wingdings 3" panose="05040102010807070707" pitchFamily="18" charset="2"/>
+              <a:buNone/>
             </a:pPr>
             <a:r>
               <a:rPr lang="en-US" dirty="0" err="1"/>
-              <a:t>Interfata</a:t>
-            </a:r>
-            <a:r>
-              <a:rPr lang="en-US" dirty="0"/>
-              <a:t> </a:t>
-            </a:r>
-            <a:r>
-              <a:rPr lang="en-US" dirty="0" err="1"/>
-              <a:t>grafica</a:t>
+              <a:t>ImGui</a:t>
+            </a:r>
+            <a:r>
+              <a:rPr lang="en-US" dirty="0"/>
+              <a:t> </a:t>
+            </a:r>
+            <a:r>
+              <a:rPr lang="en-US" dirty="0" err="1"/>
+              <a:t>este</a:t>
+            </a:r>
+            <a:r>
+              <a:rPr lang="en-US" dirty="0"/>
+              <a:t> o </a:t>
+            </a:r>
+            <a:r>
+              <a:rPr lang="en-US" dirty="0" err="1"/>
+              <a:t>librarie</a:t>
             </a:r>
             <a:r>
               <a:rPr lang="en-US" dirty="0"/>
@@ -6449,115 +6870,426 @@
             </a:r>
             <a:r>
               <a:rPr lang="en-US" dirty="0" err="1"/>
-              <a:t>interactiunea</a:t>
-            </a:r>
-            <a:r>
-              <a:rPr lang="en-US" dirty="0"/>
-              <a:t> </a:t>
-            </a:r>
-            <a:r>
-              <a:rPr lang="en-US" dirty="0" err="1"/>
-              <a:t>utilizatorului</a:t>
-            </a:r>
-            <a:r>
-              <a:rPr lang="en-US" dirty="0"/>
-              <a:t> cu </a:t>
-            </a:r>
-            <a:r>
-              <a:rPr lang="en-US" dirty="0" err="1"/>
-              <a:t>aplicatia</a:t>
-            </a:r>
-            <a:endParaRPr lang="en-US" dirty="0"/>
-          </a:p>
-          <a:p>
-            <a:pPr>
-              <a:buFont typeface="Arial" panose="020B0604020202020204" pitchFamily="34" charset="0"/>
-              <a:buChar char="•"/>
+              <a:t>crearea</a:t>
+            </a:r>
+            <a:r>
+              <a:rPr lang="en-US" dirty="0"/>
+              <a:t> de </a:t>
+            </a:r>
+            <a:r>
+              <a:rPr lang="en-US" dirty="0" err="1"/>
+              <a:t>interfete</a:t>
+            </a:r>
+            <a:r>
+              <a:rPr lang="en-US" dirty="0"/>
+              <a:t> </a:t>
+            </a:r>
+            <a:r>
+              <a:rPr lang="en-US" dirty="0" err="1"/>
+              <a:t>grafice</a:t>
+            </a:r>
+            <a:r>
+              <a:rPr lang="en-US" dirty="0"/>
+              <a:t> </a:t>
+            </a:r>
+            <a:r>
+              <a:rPr lang="en-US" dirty="0" err="1"/>
+              <a:t>pentru</a:t>
+            </a:r>
+            <a:r>
+              <a:rPr lang="en-US" dirty="0"/>
+              <a:t> C++.</a:t>
+            </a:r>
+          </a:p>
+        </p:txBody>
+      </p:sp>
+      <p:sp>
+        <p:nvSpPr>
+          <p:cNvPr id="6" name="Title 1">
+            <a:extLst>
+              <a:ext uri="{FF2B5EF4-FFF2-40B4-BE49-F238E27FC236}">
+                <a16:creationId xmlns:a16="http://schemas.microsoft.com/office/drawing/2014/main" id="{06070772-14B8-3DE6-9D11-E2C3F8366173}"/>
+              </a:ext>
+            </a:extLst>
+          </p:cNvPr>
+          <p:cNvSpPr txBox="1">
+            <a:spLocks/>
+          </p:cNvSpPr>
+          <p:nvPr/>
+        </p:nvSpPr>
+        <p:spPr>
+          <a:xfrm>
+            <a:off x="684212" y="4484552"/>
+            <a:ext cx="8534400" cy="634589"/>
+          </a:xfrm>
+          <a:prstGeom prst="rect">
+            <a:avLst/>
+          </a:prstGeom>
+          <a:effectLst/>
+        </p:spPr>
+        <p:txBody>
+          <a:bodyPr vert="horz" lIns="91440" tIns="45720" rIns="91440" bIns="45720" rtlCol="0" anchor="ctr">
+            <a:normAutofit lnSpcReduction="10000"/>
+          </a:bodyPr>
+          <a:lstStyle>
+            <a:lvl1pPr algn="l" defTabSz="457200" rtl="0" eaLnBrk="1" latinLnBrk="0" hangingPunct="1">
+              <a:spcBef>
+                <a:spcPct val="0"/>
+              </a:spcBef>
+              <a:buNone/>
+              <a:defRPr sz="3600" kern="1200" cap="all">
+                <a:ln w="3175" cmpd="sng">
+                  <a:noFill/>
+                </a:ln>
+                <a:solidFill>
+                  <a:schemeClr val="tx1"/>
+                </a:solidFill>
+                <a:effectLst/>
+                <a:latin typeface="+mj-lt"/>
+                <a:ea typeface="+mj-ea"/>
+                <a:cs typeface="+mj-cs"/>
+              </a:defRPr>
+            </a:lvl1pPr>
+            <a:lvl2pPr eaLnBrk="1" hangingPunct="1">
+              <a:defRPr>
+                <a:solidFill>
+                  <a:schemeClr val="tx2"/>
+                </a:solidFill>
+              </a:defRPr>
+            </a:lvl2pPr>
+            <a:lvl3pPr eaLnBrk="1" hangingPunct="1">
+              <a:defRPr>
+                <a:solidFill>
+                  <a:schemeClr val="tx2"/>
+                </a:solidFill>
+              </a:defRPr>
+            </a:lvl3pPr>
+            <a:lvl4pPr eaLnBrk="1" hangingPunct="1">
+              <a:defRPr>
+                <a:solidFill>
+                  <a:schemeClr val="tx2"/>
+                </a:solidFill>
+              </a:defRPr>
+            </a:lvl4pPr>
+            <a:lvl5pPr eaLnBrk="1" hangingPunct="1">
+              <a:defRPr>
+                <a:solidFill>
+                  <a:schemeClr val="tx2"/>
+                </a:solidFill>
+              </a:defRPr>
+            </a:lvl5pPr>
+            <a:lvl6pPr eaLnBrk="1" hangingPunct="1">
+              <a:defRPr>
+                <a:solidFill>
+                  <a:schemeClr val="tx2"/>
+                </a:solidFill>
+              </a:defRPr>
+            </a:lvl6pPr>
+            <a:lvl7pPr eaLnBrk="1" hangingPunct="1">
+              <a:defRPr>
+                <a:solidFill>
+                  <a:schemeClr val="tx2"/>
+                </a:solidFill>
+              </a:defRPr>
+            </a:lvl7pPr>
+            <a:lvl8pPr eaLnBrk="1" hangingPunct="1">
+              <a:defRPr>
+                <a:solidFill>
+                  <a:schemeClr val="tx2"/>
+                </a:solidFill>
+              </a:defRPr>
+            </a:lvl8pPr>
+            <a:lvl9pPr eaLnBrk="1" hangingPunct="1">
+              <a:defRPr>
+                <a:solidFill>
+                  <a:schemeClr val="tx2"/>
+                </a:solidFill>
+              </a:defRPr>
+            </a:lvl9pPr>
+          </a:lstStyle>
+          <a:p>
+            <a:r>
+              <a:rPr lang="en-US" dirty="0"/>
+              <a:t>GLFW</a:t>
+            </a:r>
+            <a:endParaRPr lang="en-001" dirty="0"/>
+          </a:p>
+        </p:txBody>
+      </p:sp>
+      <p:sp>
+        <p:nvSpPr>
+          <p:cNvPr id="7" name="Content Placeholder 2">
+            <a:extLst>
+              <a:ext uri="{FF2B5EF4-FFF2-40B4-BE49-F238E27FC236}">
+                <a16:creationId xmlns:a16="http://schemas.microsoft.com/office/drawing/2014/main" id="{A878DFF0-8D34-6C50-81A9-9716E6293AFB}"/>
+              </a:ext>
+            </a:extLst>
+          </p:cNvPr>
+          <p:cNvSpPr txBox="1">
+            <a:spLocks/>
+          </p:cNvSpPr>
+          <p:nvPr/>
+        </p:nvSpPr>
+        <p:spPr>
+          <a:xfrm>
+            <a:off x="684212" y="5119141"/>
+            <a:ext cx="8534400" cy="1055551"/>
+          </a:xfrm>
+          <a:prstGeom prst="rect">
+            <a:avLst/>
+          </a:prstGeom>
+        </p:spPr>
+        <p:txBody>
+          <a:bodyPr vert="horz" lIns="91440" tIns="45720" rIns="91440" bIns="45720" rtlCol="0" anchor="ctr">
+            <a:normAutofit/>
+          </a:bodyPr>
+          <a:lstStyle>
+            <a:lvl1pPr marL="285750" indent="-285750" algn="l" defTabSz="457200" rtl="0" eaLnBrk="1" latinLnBrk="0" hangingPunct="1">
+              <a:spcBef>
+                <a:spcPct val="20000"/>
+              </a:spcBef>
+              <a:spcAft>
+                <a:spcPts val="600"/>
+              </a:spcAft>
+              <a:buClr>
+                <a:schemeClr val="tx1"/>
+              </a:buClr>
+              <a:buSzPct val="80000"/>
+              <a:buFont typeface="Wingdings 3" panose="05040102010807070707" pitchFamily="18" charset="2"/>
+              <a:buChar char=""/>
+              <a:defRPr sz="2000" kern="1200" cap="none">
+                <a:solidFill>
+                  <a:schemeClr val="bg2">
+                    <a:lumMod val="75000"/>
+                  </a:schemeClr>
+                </a:solidFill>
+                <a:effectLst/>
+                <a:latin typeface="+mn-lt"/>
+                <a:ea typeface="+mn-ea"/>
+                <a:cs typeface="+mn-cs"/>
+              </a:defRPr>
+            </a:lvl1pPr>
+            <a:lvl2pPr marL="742950" indent="-285750" algn="l" defTabSz="457200" rtl="0" eaLnBrk="1" latinLnBrk="0" hangingPunct="1">
+              <a:spcBef>
+                <a:spcPct val="20000"/>
+              </a:spcBef>
+              <a:spcAft>
+                <a:spcPts val="600"/>
+              </a:spcAft>
+              <a:buClr>
+                <a:schemeClr val="tx1"/>
+              </a:buClr>
+              <a:buSzPct val="80000"/>
+              <a:buFont typeface="Wingdings 3" panose="05040102010807070707" pitchFamily="18" charset="2"/>
+              <a:buChar char=""/>
+              <a:defRPr sz="1800" kern="1200" cap="none">
+                <a:solidFill>
+                  <a:schemeClr val="bg2">
+                    <a:lumMod val="75000"/>
+                  </a:schemeClr>
+                </a:solidFill>
+                <a:effectLst/>
+                <a:latin typeface="+mn-lt"/>
+                <a:ea typeface="+mn-ea"/>
+                <a:cs typeface="+mn-cs"/>
+              </a:defRPr>
+            </a:lvl2pPr>
+            <a:lvl3pPr marL="1200150" indent="-285750" algn="l" defTabSz="457200" rtl="0" eaLnBrk="1" latinLnBrk="0" hangingPunct="1">
+              <a:spcBef>
+                <a:spcPct val="20000"/>
+              </a:spcBef>
+              <a:spcAft>
+                <a:spcPts val="600"/>
+              </a:spcAft>
+              <a:buClr>
+                <a:schemeClr val="tx1"/>
+              </a:buClr>
+              <a:buSzPct val="80000"/>
+              <a:buFont typeface="Wingdings 3" panose="05040102010807070707" pitchFamily="18" charset="2"/>
+              <a:buChar char=""/>
+              <a:defRPr sz="1600" kern="1200" cap="none">
+                <a:solidFill>
+                  <a:schemeClr val="bg2">
+                    <a:lumMod val="75000"/>
+                  </a:schemeClr>
+                </a:solidFill>
+                <a:effectLst/>
+                <a:latin typeface="+mn-lt"/>
+                <a:ea typeface="+mn-ea"/>
+                <a:cs typeface="+mn-cs"/>
+              </a:defRPr>
+            </a:lvl3pPr>
+            <a:lvl4pPr marL="1543050" indent="-171450" algn="l" defTabSz="457200" rtl="0" eaLnBrk="1" latinLnBrk="0" hangingPunct="1">
+              <a:spcBef>
+                <a:spcPct val="20000"/>
+              </a:spcBef>
+              <a:spcAft>
+                <a:spcPts val="600"/>
+              </a:spcAft>
+              <a:buClr>
+                <a:schemeClr val="tx1"/>
+              </a:buClr>
+              <a:buSzPct val="80000"/>
+              <a:buFont typeface="Wingdings 3" panose="05040102010807070707" pitchFamily="18" charset="2"/>
+              <a:buChar char=""/>
+              <a:defRPr sz="1400" kern="1200" cap="none">
+                <a:solidFill>
+                  <a:schemeClr val="bg2">
+                    <a:lumMod val="75000"/>
+                  </a:schemeClr>
+                </a:solidFill>
+                <a:effectLst/>
+                <a:latin typeface="+mn-lt"/>
+                <a:ea typeface="+mn-ea"/>
+                <a:cs typeface="+mn-cs"/>
+              </a:defRPr>
+            </a:lvl4pPr>
+            <a:lvl5pPr marL="2000250" indent="-171450" algn="l" defTabSz="457200" rtl="0" eaLnBrk="1" latinLnBrk="0" hangingPunct="1">
+              <a:spcBef>
+                <a:spcPct val="20000"/>
+              </a:spcBef>
+              <a:spcAft>
+                <a:spcPts val="600"/>
+              </a:spcAft>
+              <a:buClr>
+                <a:schemeClr val="tx1"/>
+              </a:buClr>
+              <a:buSzPct val="80000"/>
+              <a:buFont typeface="Wingdings 3" panose="05040102010807070707" pitchFamily="18" charset="2"/>
+              <a:buChar char=""/>
+              <a:defRPr sz="1400" kern="1200" cap="none">
+                <a:solidFill>
+                  <a:schemeClr val="bg2">
+                    <a:lumMod val="75000"/>
+                  </a:schemeClr>
+                </a:solidFill>
+                <a:effectLst/>
+                <a:latin typeface="+mn-lt"/>
+                <a:ea typeface="+mn-ea"/>
+                <a:cs typeface="+mn-cs"/>
+              </a:defRPr>
+            </a:lvl5pPr>
+            <a:lvl6pPr marL="2514600" indent="-228600" algn="l" defTabSz="457200" rtl="0" eaLnBrk="1" latinLnBrk="0" hangingPunct="1">
+              <a:spcBef>
+                <a:spcPct val="20000"/>
+              </a:spcBef>
+              <a:spcAft>
+                <a:spcPts val="600"/>
+              </a:spcAft>
+              <a:buClr>
+                <a:schemeClr val="tx1"/>
+              </a:buClr>
+              <a:buSzPct val="80000"/>
+              <a:buFont typeface="Wingdings 3" panose="05040102010807070707" pitchFamily="18" charset="2"/>
+              <a:buChar char=""/>
+              <a:defRPr sz="1400" kern="1200" cap="none">
+                <a:solidFill>
+                  <a:schemeClr val="bg2">
+                    <a:lumMod val="75000"/>
+                  </a:schemeClr>
+                </a:solidFill>
+                <a:effectLst/>
+                <a:latin typeface="+mn-lt"/>
+                <a:ea typeface="+mn-ea"/>
+                <a:cs typeface="+mn-cs"/>
+              </a:defRPr>
+            </a:lvl6pPr>
+            <a:lvl7pPr marL="2971800" indent="-228600" algn="l" defTabSz="457200" rtl="0" eaLnBrk="1" latinLnBrk="0" hangingPunct="1">
+              <a:spcBef>
+                <a:spcPct val="20000"/>
+              </a:spcBef>
+              <a:spcAft>
+                <a:spcPts val="600"/>
+              </a:spcAft>
+              <a:buClr>
+                <a:schemeClr val="tx1"/>
+              </a:buClr>
+              <a:buSzPct val="80000"/>
+              <a:buFont typeface="Wingdings 3" panose="05040102010807070707" pitchFamily="18" charset="2"/>
+              <a:buChar char=""/>
+              <a:defRPr sz="1400" kern="1200" cap="none">
+                <a:solidFill>
+                  <a:schemeClr val="bg2">
+                    <a:lumMod val="75000"/>
+                  </a:schemeClr>
+                </a:solidFill>
+                <a:effectLst/>
+                <a:latin typeface="+mn-lt"/>
+                <a:ea typeface="+mn-ea"/>
+                <a:cs typeface="+mn-cs"/>
+              </a:defRPr>
+            </a:lvl7pPr>
+            <a:lvl8pPr marL="3429000" indent="-228600" algn="l" defTabSz="457200" rtl="0" eaLnBrk="1" latinLnBrk="0" hangingPunct="1">
+              <a:spcBef>
+                <a:spcPct val="20000"/>
+              </a:spcBef>
+              <a:spcAft>
+                <a:spcPts val="600"/>
+              </a:spcAft>
+              <a:buClr>
+                <a:schemeClr val="tx1"/>
+              </a:buClr>
+              <a:buSzPct val="80000"/>
+              <a:buFont typeface="Wingdings 3" panose="05040102010807070707" pitchFamily="18" charset="2"/>
+              <a:buChar char=""/>
+              <a:defRPr sz="1400" kern="1200" cap="none">
+                <a:solidFill>
+                  <a:schemeClr val="bg2">
+                    <a:lumMod val="75000"/>
+                  </a:schemeClr>
+                </a:solidFill>
+                <a:effectLst/>
+                <a:latin typeface="+mn-lt"/>
+                <a:ea typeface="+mn-ea"/>
+                <a:cs typeface="+mn-cs"/>
+              </a:defRPr>
+            </a:lvl8pPr>
+            <a:lvl9pPr marL="3886200" indent="-228600" algn="l" defTabSz="457200" rtl="0" eaLnBrk="1" latinLnBrk="0" hangingPunct="1">
+              <a:spcBef>
+                <a:spcPct val="20000"/>
+              </a:spcBef>
+              <a:spcAft>
+                <a:spcPts val="600"/>
+              </a:spcAft>
+              <a:buClr>
+                <a:schemeClr val="tx1"/>
+              </a:buClr>
+              <a:buSzPct val="80000"/>
+              <a:buFont typeface="Wingdings 3" panose="05040102010807070707" pitchFamily="18" charset="2"/>
+              <a:buChar char=""/>
+              <a:defRPr sz="1400" kern="1200" cap="none">
+                <a:solidFill>
+                  <a:schemeClr val="bg2">
+                    <a:lumMod val="75000"/>
+                  </a:schemeClr>
+                </a:solidFill>
+                <a:effectLst/>
+                <a:latin typeface="+mn-lt"/>
+                <a:ea typeface="+mn-ea"/>
+                <a:cs typeface="+mn-cs"/>
+              </a:defRPr>
+            </a:lvl9pPr>
+          </a:lstStyle>
+          <a:p>
+            <a:pPr marL="0" indent="0">
+              <a:buFont typeface="Wingdings 3" panose="05040102010807070707" pitchFamily="18" charset="2"/>
+              <a:buNone/>
             </a:pPr>
             <a:r>
-              <a:rPr lang="en-US" dirty="0" err="1"/>
-              <a:t>Posibilitatea</a:t>
-            </a:r>
-            <a:r>
-              <a:rPr lang="en-US" dirty="0"/>
-              <a:t> </a:t>
-            </a:r>
-            <a:r>
-              <a:rPr lang="en-US" dirty="0" err="1"/>
-              <a:t>modificarii</a:t>
-            </a:r>
-            <a:r>
-              <a:rPr lang="en-US" dirty="0"/>
-              <a:t> </a:t>
-            </a:r>
-            <a:r>
-              <a:rPr lang="en-US" dirty="0" err="1"/>
-              <a:t>parametrilor</a:t>
-            </a:r>
-            <a:r>
-              <a:rPr lang="en-US" dirty="0"/>
-              <a:t> </a:t>
-            </a:r>
-            <a:r>
-              <a:rPr lang="en-US" dirty="0" err="1"/>
-              <a:t>simularii</a:t>
-            </a:r>
-            <a:endParaRPr lang="en-US" dirty="0"/>
-          </a:p>
-          <a:p>
-            <a:pPr>
-              <a:buFont typeface="Arial" panose="020B0604020202020204" pitchFamily="34" charset="0"/>
-              <a:buChar char="•"/>
-            </a:pPr>
-            <a:r>
-              <a:rPr lang="en-US" dirty="0" err="1"/>
-              <a:t>Vizualizare</a:t>
-            </a:r>
-            <a:r>
-              <a:rPr lang="en-US" dirty="0"/>
-              <a:t> 2D a </a:t>
-            </a:r>
-            <a:r>
-              <a:rPr lang="en-US" dirty="0" err="1"/>
-              <a:t>simularii</a:t>
-            </a:r>
-            <a:endParaRPr lang="en-US" dirty="0"/>
-          </a:p>
-          <a:p>
-            <a:pPr>
-              <a:buFont typeface="Arial" panose="020B0604020202020204" pitchFamily="34" charset="0"/>
-              <a:buChar char="•"/>
-            </a:pPr>
-            <a:r>
-              <a:rPr lang="en-US" dirty="0" err="1"/>
-              <a:t>Vizualizare</a:t>
-            </a:r>
-            <a:r>
-              <a:rPr lang="en-US" dirty="0"/>
-              <a:t> </a:t>
-            </a:r>
-            <a:r>
-              <a:rPr lang="en-US" dirty="0" err="1"/>
-              <a:t>grafica</a:t>
-            </a:r>
-            <a:r>
-              <a:rPr lang="en-US" dirty="0"/>
-              <a:t> a </a:t>
-            </a:r>
-            <a:r>
-              <a:rPr lang="en-US" dirty="0" err="1"/>
-              <a:t>datelor</a:t>
-            </a:r>
-            <a:endParaRPr lang="en-US" dirty="0"/>
-          </a:p>
-          <a:p>
-            <a:pPr>
-              <a:buFont typeface="Arial" panose="020B0604020202020204" pitchFamily="34" charset="0"/>
-              <a:buChar char="•"/>
-            </a:pPr>
-            <a:r>
-              <a:rPr lang="en-US" dirty="0" err="1"/>
-              <a:t>Suport</a:t>
+              <a:rPr lang="en-US" dirty="0"/>
+              <a:t>GLFW </a:t>
+            </a:r>
+            <a:r>
+              <a:rPr lang="en-US" dirty="0" err="1"/>
+              <a:t>este</a:t>
+            </a:r>
+            <a:r>
+              <a:rPr lang="en-US" dirty="0"/>
+              <a:t> o </a:t>
+            </a:r>
+            <a:r>
+              <a:rPr lang="en-US" dirty="0" err="1"/>
+              <a:t>librarie</a:t>
             </a:r>
             <a:r>
               <a:rPr lang="en-US" dirty="0"/>
@@ -6573,11 +7305,83 @@
             </a:r>
             <a:r>
               <a:rPr lang="en-US" dirty="0" err="1"/>
-              <a:t>interactiunea</a:t>
-            </a:r>
-            <a:r>
-              <a:rPr lang="en-US" dirty="0"/>
-              <a:t> cu </a:t>
+              <a:t>crearea</a:t>
+            </a:r>
+            <a:r>
+              <a:rPr lang="en-US" dirty="0"/>
+              <a:t> de </a:t>
+            </a:r>
+            <a:r>
+              <a:rPr lang="en-US" dirty="0" err="1"/>
+              <a:t>ferestre</a:t>
+            </a:r>
+            <a:r>
+              <a:rPr lang="en-US" dirty="0"/>
+              <a:t> </a:t>
+            </a:r>
+            <a:r>
+              <a:rPr lang="en-US" dirty="0" err="1"/>
+              <a:t>pentru</a:t>
+            </a:r>
+            <a:r>
+              <a:rPr lang="en-US" dirty="0"/>
+              <a:t> </a:t>
+            </a:r>
+            <a:r>
+              <a:rPr lang="en-US" dirty="0" err="1"/>
+              <a:t>continut</a:t>
+            </a:r>
+            <a:r>
+              <a:rPr lang="en-US" dirty="0"/>
+              <a:t> OpenGL. </a:t>
+            </a:r>
+            <a:r>
+              <a:rPr lang="en-US" dirty="0" err="1"/>
+              <a:t>Aceasta</a:t>
+            </a:r>
+            <a:r>
+              <a:rPr lang="en-US" dirty="0"/>
+              <a:t> </a:t>
+            </a:r>
+            <a:r>
+              <a:rPr lang="en-US" dirty="0" err="1"/>
+              <a:t>librarie</a:t>
+            </a:r>
+            <a:r>
+              <a:rPr lang="en-US" dirty="0"/>
+              <a:t> </a:t>
+            </a:r>
+            <a:r>
+              <a:rPr lang="en-US" dirty="0" err="1"/>
+              <a:t>ajuta</a:t>
+            </a:r>
+            <a:r>
+              <a:rPr lang="en-US" dirty="0"/>
+              <a:t> </a:t>
+            </a:r>
+            <a:r>
+              <a:rPr lang="en-US" dirty="0" err="1"/>
+              <a:t>si</a:t>
+            </a:r>
+            <a:r>
+              <a:rPr lang="en-US" dirty="0"/>
+              <a:t> </a:t>
+            </a:r>
+            <a:r>
+              <a:rPr lang="en-US" dirty="0" err="1"/>
+              <a:t>preluarea</a:t>
+            </a:r>
+            <a:r>
+              <a:rPr lang="en-US" dirty="0"/>
+              <a:t> input-</a:t>
+            </a:r>
+            <a:r>
+              <a:rPr lang="en-US" dirty="0" err="1"/>
+              <a:t>ului</a:t>
+            </a:r>
+            <a:r>
+              <a:rPr lang="en-US" dirty="0"/>
+              <a:t> de la </a:t>
             </a:r>
             <a:r>
               <a:rPr lang="en-US" dirty="0" err="1"/>
@@ -6593,7 +7397,7 @@
             </a:r>
             <a:r>
               <a:rPr lang="en-US" dirty="0"/>
-              <a:t> mouse-ul</a:t>
+              <a:t> mouse.</a:t>
             </a:r>
           </a:p>
         </p:txBody>
@@ -6601,7 +7405,7 @@
     </p:spTree>
     <p:extLst>
       <p:ext uri="{BB962C8B-B14F-4D97-AF65-F5344CB8AC3E}">
-        <p14:creationId xmlns:p14="http://schemas.microsoft.com/office/powerpoint/2010/main" val="3536031565"/>
+        <p14:creationId xmlns:p14="http://schemas.microsoft.com/office/powerpoint/2010/main" val="3305234090"/>
       </p:ext>
     </p:extLst>
   </p:cSld>
@@ -6656,15 +7460,7 @@
           <a:p>
             <a:r>
               <a:rPr lang="en-US" dirty="0" err="1"/>
-              <a:t>Scenariu</a:t>
-            </a:r>
-            <a:r>
-              <a:rPr lang="en-US" dirty="0"/>
-              <a:t> de </a:t>
-            </a:r>
-            <a:r>
-              <a:rPr lang="en-US" dirty="0" err="1"/>
-              <a:t>utilizare</a:t>
+              <a:t>functionalitati</a:t>
             </a:r>
             <a:endParaRPr lang="en-001" dirty="0"/>
           </a:p>
@@ -6696,28 +7492,72 @@
           <a:bodyPr/>
           <a:lstStyle/>
           <a:p>
-            <a:pPr marL="0" indent="0">
-              <a:buNone/>
+            <a:pPr>
+              <a:buFont typeface="Arial" panose="020B0604020202020204" pitchFamily="34" charset="0"/>
+              <a:buChar char="•"/>
             </a:pPr>
             <a:r>
               <a:rPr lang="en-US" dirty="0" err="1"/>
-              <a:t>Aplicatia</a:t>
-            </a:r>
-            <a:r>
-              <a:rPr lang="en-US" dirty="0"/>
-              <a:t> </a:t>
-            </a:r>
-            <a:r>
-              <a:rPr lang="en-US" dirty="0" err="1"/>
-              <a:t>este</a:t>
-            </a:r>
-            <a:r>
-              <a:rPr lang="en-US" dirty="0"/>
-              <a:t> </a:t>
-            </a:r>
-            <a:r>
-              <a:rPr lang="en-US" dirty="0" err="1"/>
-              <a:t>conceputa</a:t>
+              <a:t>Simulare</a:t>
+            </a:r>
+            <a:r>
+              <a:rPr lang="en-US" dirty="0"/>
+              <a:t> </a:t>
+            </a:r>
+            <a:r>
+              <a:rPr lang="en-US" dirty="0" err="1"/>
+              <a:t>fenomene</a:t>
+            </a:r>
+            <a:r>
+              <a:rPr lang="en-US" dirty="0"/>
+              <a:t> </a:t>
+            </a:r>
+            <a:r>
+              <a:rPr lang="en-US" dirty="0" err="1"/>
+              <a:t>fizice</a:t>
+            </a:r>
+            <a:endParaRPr lang="en-US" dirty="0"/>
+          </a:p>
+          <a:p>
+            <a:pPr>
+              <a:buFont typeface="Arial" panose="020B0604020202020204" pitchFamily="34" charset="0"/>
+              <a:buChar char="•"/>
+            </a:pPr>
+            <a:r>
+              <a:rPr lang="en-US" dirty="0" err="1"/>
+              <a:t>Interfata</a:t>
+            </a:r>
+            <a:r>
+              <a:rPr lang="en-US" dirty="0"/>
+              <a:t> </a:t>
+            </a:r>
+            <a:r>
+              <a:rPr lang="en-US" dirty="0" err="1"/>
+              <a:t>grafica</a:t>
+            </a:r>
+            <a:r>
+              <a:rPr lang="en-US" dirty="0"/>
+              <a:t> </a:t>
+            </a:r>
+            <a:r>
+              <a:rPr lang="en-US" dirty="0" err="1"/>
+              <a:t>pentru</a:t>
+            </a:r>
+            <a:r>
+              <a:rPr lang="en-US" dirty="0"/>
+              <a:t> </a:t>
+            </a:r>
+            <a:r>
+              <a:rPr lang="en-US" dirty="0" err="1"/>
+              <a:t>interactiunea</a:t>
+            </a:r>
+            <a:r>
+              <a:rPr lang="en-US" dirty="0"/>
+              <a:t> </a:t>
+            </a:r>
+            <a:r>
+              <a:rPr lang="en-US" dirty="0" err="1"/>
+              <a:t>utilizatorului</a:t>
             </a:r>
             <a:r>
               <a:rPr lang="en-US" dirty="0"/>
@@ -6725,23 +7565,99 @@
             </a:r>
             <a:r>
               <a:rPr lang="en-US" dirty="0" err="1"/>
-              <a:t>scopul</a:t>
-            </a:r>
-            <a:r>
-              <a:rPr lang="en-US" dirty="0"/>
-              <a:t> de a fi </a:t>
-            </a:r>
-            <a:r>
-              <a:rPr lang="en-US" dirty="0" err="1"/>
-              <a:t>folosita</a:t>
-            </a:r>
-            <a:r>
-              <a:rPr lang="en-US" dirty="0"/>
-              <a:t> ca </a:t>
-            </a:r>
-            <a:r>
-              <a:rPr lang="en-US" dirty="0" err="1"/>
-              <a:t>suport</a:t>
+              <a:t>aplicatia</a:t>
+            </a:r>
+            <a:endParaRPr lang="en-US" dirty="0"/>
+          </a:p>
+          <a:p>
+            <a:pPr>
+              <a:buFont typeface="Arial" panose="020B0604020202020204" pitchFamily="34" charset="0"/>
+              <a:buChar char="•"/>
+            </a:pPr>
+            <a:r>
+              <a:rPr lang="en-US" dirty="0" err="1"/>
+              <a:t>Posibilitatea</a:t>
+            </a:r>
+            <a:r>
+              <a:rPr lang="en-US" dirty="0"/>
+              <a:t> </a:t>
+            </a:r>
+            <a:r>
+              <a:rPr lang="en-US" dirty="0" err="1"/>
+              <a:t>modificarii</a:t>
+            </a:r>
+            <a:r>
+              <a:rPr lang="en-US" dirty="0"/>
+              <a:t> </a:t>
+            </a:r>
+            <a:r>
+              <a:rPr lang="en-US" dirty="0" err="1"/>
+              <a:t>parametrilor</a:t>
+            </a:r>
+            <a:r>
+              <a:rPr lang="en-US" dirty="0"/>
+              <a:t> </a:t>
+            </a:r>
+            <a:r>
+              <a:rPr lang="en-US" dirty="0" err="1"/>
+              <a:t>simularii</a:t>
+            </a:r>
+            <a:endParaRPr lang="en-US" dirty="0"/>
+          </a:p>
+          <a:p>
+            <a:pPr>
+              <a:buFont typeface="Arial" panose="020B0604020202020204" pitchFamily="34" charset="0"/>
+              <a:buChar char="•"/>
+            </a:pPr>
+            <a:r>
+              <a:rPr lang="en-US" dirty="0" err="1"/>
+              <a:t>Vizualizare</a:t>
+            </a:r>
+            <a:r>
+              <a:rPr lang="en-US" dirty="0"/>
+              <a:t> 2D a </a:t>
+            </a:r>
+            <a:r>
+              <a:rPr lang="en-US" dirty="0" err="1"/>
+              <a:t>simularii</a:t>
+            </a:r>
+            <a:endParaRPr lang="en-US" dirty="0"/>
+          </a:p>
+          <a:p>
+            <a:pPr>
+              <a:buFont typeface="Arial" panose="020B0604020202020204" pitchFamily="34" charset="0"/>
+              <a:buChar char="•"/>
+            </a:pPr>
+            <a:r>
+              <a:rPr lang="en-US" dirty="0" err="1"/>
+              <a:t>Vizualizare</a:t>
+            </a:r>
+            <a:r>
+              <a:rPr lang="en-US" dirty="0"/>
+              <a:t> </a:t>
+            </a:r>
+            <a:r>
+              <a:rPr lang="en-US" dirty="0" err="1"/>
+              <a:t>grafica</a:t>
+            </a:r>
+            <a:r>
+              <a:rPr lang="en-US" dirty="0"/>
+              <a:t> a </a:t>
+            </a:r>
+            <a:r>
+              <a:rPr lang="en-US" dirty="0" err="1"/>
+              <a:t>datelor</a:t>
+            </a:r>
+            <a:endParaRPr lang="en-US" dirty="0"/>
+          </a:p>
+          <a:p>
+            <a:pPr>
+              <a:buFont typeface="Arial" panose="020B0604020202020204" pitchFamily="34" charset="0"/>
+              <a:buChar char="•"/>
+            </a:pPr>
+            <a:r>
+              <a:rPr lang="en-US" dirty="0" err="1"/>
+              <a:t>Suport</a:t>
             </a:r>
             <a:r>
               <a:rPr lang="en-US" dirty="0"/>
@@ -6757,236 +7673,7 @@
             </a:r>
             <a:r>
               <a:rPr lang="en-US" dirty="0" err="1"/>
-              <a:t>orele</a:t>
-            </a:r>
-            <a:r>
-              <a:rPr lang="en-US" dirty="0"/>
-              <a:t> de </a:t>
-            </a:r>
-            <a:r>
-              <a:rPr lang="en-US" dirty="0" err="1"/>
-              <a:t>fizica</a:t>
-            </a:r>
-            <a:r>
-              <a:rPr lang="en-US" dirty="0"/>
-              <a:t> din </a:t>
-            </a:r>
-            <a:r>
-              <a:rPr lang="en-US" dirty="0" err="1"/>
-              <a:t>scoli</a:t>
-            </a:r>
-            <a:r>
-              <a:rPr lang="en-US" dirty="0"/>
-              <a:t>.</a:t>
-            </a:r>
-          </a:p>
-          <a:p>
-            <a:pPr marL="0" indent="0">
-              <a:buNone/>
-            </a:pPr>
-            <a:r>
-              <a:rPr lang="en-US" dirty="0" err="1"/>
-              <a:t>Profesorii</a:t>
-            </a:r>
-            <a:r>
-              <a:rPr lang="en-US" dirty="0"/>
-              <a:t> ii pot </a:t>
-            </a:r>
-            <a:r>
-              <a:rPr lang="en-US" dirty="0" err="1"/>
-              <a:t>indruma</a:t>
-            </a:r>
-            <a:r>
-              <a:rPr lang="en-US" dirty="0"/>
-              <a:t> pe </a:t>
-            </a:r>
-            <a:r>
-              <a:rPr lang="en-US" dirty="0" err="1"/>
-              <a:t>elevi</a:t>
-            </a:r>
-            <a:r>
-              <a:rPr lang="en-US" dirty="0"/>
-              <a:t> in </a:t>
-            </a:r>
-            <a:r>
-              <a:rPr lang="en-US" dirty="0" err="1"/>
-              <a:t>explorarea</a:t>
-            </a:r>
-            <a:r>
-              <a:rPr lang="en-US" dirty="0"/>
-              <a:t> a </a:t>
-            </a:r>
-            <a:r>
-              <a:rPr lang="en-US" dirty="0" err="1"/>
-              <a:t>mai</a:t>
-            </a:r>
-            <a:r>
-              <a:rPr lang="en-US" dirty="0"/>
-              <a:t> </a:t>
-            </a:r>
-            <a:r>
-              <a:rPr lang="en-US" dirty="0" err="1"/>
-              <a:t>multor</a:t>
-            </a:r>
-            <a:r>
-              <a:rPr lang="en-US" dirty="0"/>
-              <a:t> </a:t>
-            </a:r>
-            <a:r>
-              <a:rPr lang="en-US" dirty="0" err="1"/>
-              <a:t>fenomene</a:t>
-            </a:r>
-            <a:r>
-              <a:rPr lang="en-US" dirty="0"/>
-              <a:t> </a:t>
-            </a:r>
-            <a:r>
-              <a:rPr lang="en-US" dirty="0" err="1"/>
-              <a:t>fizice</a:t>
-            </a:r>
-            <a:r>
-              <a:rPr lang="en-US" dirty="0"/>
-              <a:t>. </a:t>
-            </a:r>
-            <a:r>
-              <a:rPr lang="en-US" dirty="0" err="1"/>
-              <a:t>Elevii</a:t>
-            </a:r>
-            <a:r>
-              <a:rPr lang="en-US" dirty="0"/>
-              <a:t> pot </a:t>
-            </a:r>
-            <a:r>
-              <a:rPr lang="en-US" dirty="0" err="1"/>
-              <a:t>accesa</a:t>
-            </a:r>
-            <a:r>
-              <a:rPr lang="en-US" dirty="0"/>
-              <a:t> </a:t>
-            </a:r>
-            <a:r>
-              <a:rPr lang="en-US" dirty="0" err="1"/>
-              <a:t>aplicatia</a:t>
-            </a:r>
-            <a:r>
-              <a:rPr lang="en-US" dirty="0"/>
-              <a:t> de </a:t>
-            </a:r>
-            <a:r>
-              <a:rPr lang="en-US" dirty="0" err="1"/>
-              <a:t>unde</a:t>
-            </a:r>
-            <a:r>
-              <a:rPr lang="en-US" dirty="0"/>
-              <a:t> </a:t>
-            </a:r>
-            <a:r>
-              <a:rPr lang="en-US" dirty="0" err="1"/>
-              <a:t>vor</a:t>
-            </a:r>
-            <a:r>
-              <a:rPr lang="en-US" dirty="0"/>
-              <a:t> </a:t>
-            </a:r>
-            <a:r>
-              <a:rPr lang="en-US" dirty="0" err="1"/>
-              <a:t>putea</a:t>
-            </a:r>
-            <a:r>
-              <a:rPr lang="en-US" dirty="0"/>
-              <a:t> selecta din </a:t>
-            </a:r>
-            <a:r>
-              <a:rPr lang="en-US" dirty="0" err="1"/>
-              <a:t>mai</a:t>
-            </a:r>
-            <a:r>
-              <a:rPr lang="en-US" dirty="0"/>
-              <a:t> </a:t>
-            </a:r>
-            <a:r>
-              <a:rPr lang="en-US" dirty="0" err="1"/>
-              <a:t>multe</a:t>
-            </a:r>
-            <a:r>
-              <a:rPr lang="en-US" dirty="0"/>
-              <a:t> </a:t>
-            </a:r>
-            <a:r>
-              <a:rPr lang="en-US" dirty="0" err="1"/>
-              <a:t>simulari</a:t>
-            </a:r>
-            <a:r>
-              <a:rPr lang="en-US" dirty="0"/>
-              <a:t> </a:t>
-            </a:r>
-            <a:r>
-              <a:rPr lang="en-US" dirty="0" err="1"/>
-              <a:t>predefinite</a:t>
-            </a:r>
-            <a:r>
-              <a:rPr lang="en-US" dirty="0"/>
-              <a:t>. </a:t>
-            </a:r>
-            <a:r>
-              <a:rPr lang="en-US" dirty="0" err="1"/>
-              <a:t>Odata</a:t>
-            </a:r>
-            <a:r>
-              <a:rPr lang="en-US" dirty="0"/>
-              <a:t> </a:t>
-            </a:r>
-            <a:r>
-              <a:rPr lang="en-US" dirty="0" err="1"/>
-              <a:t>ce</a:t>
-            </a:r>
-            <a:r>
-              <a:rPr lang="en-US" dirty="0"/>
-              <a:t> au </a:t>
-            </a:r>
-            <a:r>
-              <a:rPr lang="en-US" dirty="0" err="1"/>
-              <a:t>selectat</a:t>
-            </a:r>
-            <a:r>
-              <a:rPr lang="en-US" dirty="0"/>
-              <a:t> o </a:t>
-            </a:r>
-            <a:r>
-              <a:rPr lang="en-US" dirty="0" err="1"/>
-              <a:t>simulare</a:t>
-            </a:r>
-            <a:r>
-              <a:rPr lang="en-US" dirty="0"/>
-              <a:t> </a:t>
-            </a:r>
-            <a:r>
-              <a:rPr lang="en-US" dirty="0" err="1"/>
-              <a:t>acestia</a:t>
-            </a:r>
-            <a:r>
-              <a:rPr lang="en-US" dirty="0"/>
-              <a:t> </a:t>
-            </a:r>
-            <a:r>
-              <a:rPr lang="en-US" dirty="0" err="1"/>
-              <a:t>vor</a:t>
-            </a:r>
-            <a:r>
-              <a:rPr lang="en-US" dirty="0"/>
-              <a:t> </a:t>
-            </a:r>
-            <a:r>
-              <a:rPr lang="en-US" dirty="0" err="1"/>
-              <a:t>putea</a:t>
-            </a:r>
-            <a:r>
-              <a:rPr lang="en-US" dirty="0"/>
-              <a:t> </a:t>
-            </a:r>
-            <a:r>
-              <a:rPr lang="en-US" dirty="0" err="1"/>
-              <a:t>interactiona</a:t>
+              <a:t>interactiunea</a:t>
             </a:r>
             <a:r>
               <a:rPr lang="en-US" dirty="0"/>
@@ -6994,63 +7681,7 @@
             </a:r>
             <a:r>
               <a:rPr lang="en-US" dirty="0" err="1"/>
-              <a:t>simularea</a:t>
-            </a:r>
-            <a:r>
-              <a:rPr lang="en-US" dirty="0"/>
-              <a:t>, fie direct cu </a:t>
-            </a:r>
-            <a:r>
-              <a:rPr lang="en-US" dirty="0" err="1"/>
-              <a:t>obiectele</a:t>
-            </a:r>
-            <a:r>
-              <a:rPr lang="en-US" dirty="0"/>
-              <a:t> </a:t>
-            </a:r>
-            <a:r>
-              <a:rPr lang="en-US" dirty="0" err="1"/>
-              <a:t>ce</a:t>
-            </a:r>
-            <a:r>
-              <a:rPr lang="en-US" dirty="0"/>
-              <a:t> fac </a:t>
-            </a:r>
-            <a:r>
-              <a:rPr lang="en-US" dirty="0" err="1"/>
-              <a:t>parte</a:t>
-            </a:r>
-            <a:r>
-              <a:rPr lang="en-US" dirty="0"/>
-              <a:t> din </a:t>
-            </a:r>
-            <a:r>
-              <a:rPr lang="en-US" dirty="0" err="1"/>
-              <a:t>simulare</a:t>
-            </a:r>
-            <a:r>
-              <a:rPr lang="en-US" dirty="0"/>
-              <a:t>, fie </a:t>
-            </a:r>
-            <a:r>
-              <a:rPr lang="en-US" dirty="0" err="1"/>
-              <a:t>modificand</a:t>
-            </a:r>
-            <a:r>
-              <a:rPr lang="en-US" dirty="0"/>
-              <a:t> </a:t>
-            </a:r>
-            <a:r>
-              <a:rPr lang="en-US" dirty="0" err="1"/>
-              <a:t>parametrii</a:t>
-            </a:r>
-            <a:r>
-              <a:rPr lang="en-US" dirty="0"/>
-              <a:t> </a:t>
-            </a:r>
-            <a:r>
-              <a:rPr lang="en-US" dirty="0" err="1"/>
-              <a:t>simularii</a:t>
+              <a:t>tastatura</a:t>
             </a:r>
             <a:r>
               <a:rPr lang="en-US" dirty="0"/>
@@ -7062,39 +7693,7 @@
             </a:r>
             <a:r>
               <a:rPr lang="en-US" dirty="0"/>
-              <a:t> a </a:t>
-            </a:r>
-            <a:r>
-              <a:rPr lang="en-US" dirty="0" err="1"/>
-              <a:t>vedea</a:t>
-            </a:r>
-            <a:r>
-              <a:rPr lang="en-US" dirty="0"/>
-              <a:t> in </a:t>
-            </a:r>
-            <a:r>
-              <a:rPr lang="en-US" dirty="0" err="1"/>
-              <a:t>timp</a:t>
-            </a:r>
-            <a:r>
-              <a:rPr lang="en-US" dirty="0"/>
-              <a:t> real cum se </a:t>
-            </a:r>
-            <a:r>
-              <a:rPr lang="en-US" dirty="0" err="1"/>
-              <a:t>schimba</a:t>
-            </a:r>
-            <a:r>
-              <a:rPr lang="en-US" dirty="0"/>
-              <a:t> </a:t>
-            </a:r>
-            <a:r>
-              <a:rPr lang="en-US" dirty="0" err="1"/>
-              <a:t>aceasta</a:t>
-            </a:r>
-            <a:r>
-              <a:rPr lang="en-US" dirty="0"/>
-              <a:t>.</a:t>
+              <a:t> mouse-ul</a:t>
             </a:r>
           </a:p>
         </p:txBody>
@@ -7102,7 +7701,7 @@
     </p:spTree>
     <p:extLst>
       <p:ext uri="{BB962C8B-B14F-4D97-AF65-F5344CB8AC3E}">
-        <p14:creationId xmlns:p14="http://schemas.microsoft.com/office/powerpoint/2010/main" val="3212205998"/>
+        <p14:creationId xmlns:p14="http://schemas.microsoft.com/office/powerpoint/2010/main" val="3536031565"/>
       </p:ext>
     </p:extLst>
   </p:cSld>
@@ -7157,7 +7756,508 @@
           <a:p>
             <a:r>
               <a:rPr lang="en-US" dirty="0" err="1"/>
-              <a:t>Dezoltari</a:t>
+              <a:t>Scenariu</a:t>
+            </a:r>
+            <a:r>
+              <a:rPr lang="en-US" dirty="0"/>
+              <a:t> de </a:t>
+            </a:r>
+            <a:r>
+              <a:rPr lang="en-US" dirty="0" err="1"/>
+              <a:t>utilizare</a:t>
+            </a:r>
+            <a:endParaRPr lang="en-001" dirty="0"/>
+          </a:p>
+        </p:txBody>
+      </p:sp>
+      <p:sp>
+        <p:nvSpPr>
+          <p:cNvPr id="3" name="Content Placeholder 2">
+            <a:extLst>
+              <a:ext uri="{FF2B5EF4-FFF2-40B4-BE49-F238E27FC236}">
+                <a16:creationId xmlns:a16="http://schemas.microsoft.com/office/drawing/2014/main" id="{13A4DCCC-DEE1-4F92-B62D-E57FE2B5FD77}"/>
+              </a:ext>
+            </a:extLst>
+          </p:cNvPr>
+          <p:cNvSpPr>
+            <a:spLocks noGrp="1"/>
+          </p:cNvSpPr>
+          <p:nvPr>
+            <p:ph idx="1"/>
+          </p:nvPr>
+        </p:nvSpPr>
+        <p:spPr>
+          <a:xfrm>
+            <a:off x="684212" y="2559424"/>
+            <a:ext cx="8534400" cy="3615267"/>
+          </a:xfrm>
+        </p:spPr>
+        <p:txBody>
+          <a:bodyPr/>
+          <a:lstStyle/>
+          <a:p>
+            <a:pPr marL="0" indent="0">
+              <a:buNone/>
+            </a:pPr>
+            <a:r>
+              <a:rPr lang="en-US" dirty="0" err="1"/>
+              <a:t>Aplicatia</a:t>
+            </a:r>
+            <a:r>
+              <a:rPr lang="en-US" dirty="0"/>
+              <a:t> </a:t>
+            </a:r>
+            <a:r>
+              <a:rPr lang="en-US" dirty="0" err="1"/>
+              <a:t>este</a:t>
+            </a:r>
+            <a:r>
+              <a:rPr lang="en-US" dirty="0"/>
+              <a:t> </a:t>
+            </a:r>
+            <a:r>
+              <a:rPr lang="en-US" dirty="0" err="1"/>
+              <a:t>conceputa</a:t>
+            </a:r>
+            <a:r>
+              <a:rPr lang="en-US" dirty="0"/>
+              <a:t> cu </a:t>
+            </a:r>
+            <a:r>
+              <a:rPr lang="en-US" dirty="0" err="1"/>
+              <a:t>scopul</a:t>
+            </a:r>
+            <a:r>
+              <a:rPr lang="en-US" dirty="0"/>
+              <a:t> de a fi </a:t>
+            </a:r>
+            <a:r>
+              <a:rPr lang="en-US" dirty="0" err="1"/>
+              <a:t>folosita</a:t>
+            </a:r>
+            <a:r>
+              <a:rPr lang="en-US" dirty="0"/>
+              <a:t> ca </a:t>
+            </a:r>
+            <a:r>
+              <a:rPr lang="en-US" dirty="0" err="1"/>
+              <a:t>suport</a:t>
+            </a:r>
+            <a:r>
+              <a:rPr lang="en-US" dirty="0"/>
+              <a:t> </a:t>
+            </a:r>
+            <a:r>
+              <a:rPr lang="en-US" dirty="0" err="1"/>
+              <a:t>pentru</a:t>
+            </a:r>
+            <a:r>
+              <a:rPr lang="en-US" dirty="0"/>
+              <a:t> </a:t>
+            </a:r>
+            <a:r>
+              <a:rPr lang="en-US" dirty="0" err="1"/>
+              <a:t>orele</a:t>
+            </a:r>
+            <a:r>
+              <a:rPr lang="en-US" dirty="0"/>
+              <a:t> de </a:t>
+            </a:r>
+            <a:r>
+              <a:rPr lang="en-US" dirty="0" err="1"/>
+              <a:t>fizica</a:t>
+            </a:r>
+            <a:r>
+              <a:rPr lang="en-US" dirty="0"/>
+              <a:t> din </a:t>
+            </a:r>
+            <a:r>
+              <a:rPr lang="en-US" dirty="0" err="1"/>
+              <a:t>scoli</a:t>
+            </a:r>
+            <a:r>
+              <a:rPr lang="en-US" dirty="0"/>
+              <a:t>.</a:t>
+            </a:r>
+          </a:p>
+          <a:p>
+            <a:pPr marL="0" indent="0">
+              <a:buNone/>
+            </a:pPr>
+            <a:r>
+              <a:rPr lang="en-US" dirty="0" err="1"/>
+              <a:t>Profesorii</a:t>
+            </a:r>
+            <a:r>
+              <a:rPr lang="en-US" dirty="0"/>
+              <a:t> ii pot </a:t>
+            </a:r>
+            <a:r>
+              <a:rPr lang="en-US" dirty="0" err="1"/>
+              <a:t>indruma</a:t>
+            </a:r>
+            <a:r>
+              <a:rPr lang="en-US" dirty="0"/>
+              <a:t> pe </a:t>
+            </a:r>
+            <a:r>
+              <a:rPr lang="en-US" dirty="0" err="1"/>
+              <a:t>elevi</a:t>
+            </a:r>
+            <a:r>
+              <a:rPr lang="en-US" dirty="0"/>
+              <a:t> in </a:t>
+            </a:r>
+            <a:r>
+              <a:rPr lang="en-US" dirty="0" err="1"/>
+              <a:t>explorarea</a:t>
+            </a:r>
+            <a:r>
+              <a:rPr lang="en-US" dirty="0"/>
+              <a:t> a </a:t>
+            </a:r>
+            <a:r>
+              <a:rPr lang="en-US" dirty="0" err="1"/>
+              <a:t>mai</a:t>
+            </a:r>
+            <a:r>
+              <a:rPr lang="en-US" dirty="0"/>
+              <a:t> </a:t>
+            </a:r>
+            <a:r>
+              <a:rPr lang="en-US" dirty="0" err="1"/>
+              <a:t>multor</a:t>
+            </a:r>
+            <a:r>
+              <a:rPr lang="en-US" dirty="0"/>
+              <a:t> </a:t>
+            </a:r>
+            <a:r>
+              <a:rPr lang="en-US" dirty="0" err="1"/>
+              <a:t>fenomene</a:t>
+            </a:r>
+            <a:r>
+              <a:rPr lang="en-US" dirty="0"/>
+              <a:t> </a:t>
+            </a:r>
+            <a:r>
+              <a:rPr lang="en-US" dirty="0" err="1"/>
+              <a:t>fizice</a:t>
+            </a:r>
+            <a:r>
+              <a:rPr lang="en-US" dirty="0"/>
+              <a:t>. </a:t>
+            </a:r>
+            <a:r>
+              <a:rPr lang="en-US" dirty="0" err="1"/>
+              <a:t>Elevii</a:t>
+            </a:r>
+            <a:r>
+              <a:rPr lang="en-US" dirty="0"/>
+              <a:t> pot </a:t>
+            </a:r>
+            <a:r>
+              <a:rPr lang="en-US" dirty="0" err="1"/>
+              <a:t>accesa</a:t>
+            </a:r>
+            <a:r>
+              <a:rPr lang="en-US" dirty="0"/>
+              <a:t> </a:t>
+            </a:r>
+            <a:r>
+              <a:rPr lang="en-US" dirty="0" err="1"/>
+              <a:t>aplicatia</a:t>
+            </a:r>
+            <a:r>
+              <a:rPr lang="en-US" dirty="0"/>
+              <a:t> de </a:t>
+            </a:r>
+            <a:r>
+              <a:rPr lang="en-US" dirty="0" err="1"/>
+              <a:t>unde</a:t>
+            </a:r>
+            <a:r>
+              <a:rPr lang="en-US" dirty="0"/>
+              <a:t> </a:t>
+            </a:r>
+            <a:r>
+              <a:rPr lang="en-US" dirty="0" err="1"/>
+              <a:t>vor</a:t>
+            </a:r>
+            <a:r>
+              <a:rPr lang="en-US" dirty="0"/>
+              <a:t> </a:t>
+            </a:r>
+            <a:r>
+              <a:rPr lang="en-US" dirty="0" err="1"/>
+              <a:t>putea</a:t>
+            </a:r>
+            <a:r>
+              <a:rPr lang="en-US" dirty="0"/>
+              <a:t> selecta din </a:t>
+            </a:r>
+            <a:r>
+              <a:rPr lang="en-US" dirty="0" err="1"/>
+              <a:t>mai</a:t>
+            </a:r>
+            <a:r>
+              <a:rPr lang="en-US" dirty="0"/>
+              <a:t> </a:t>
+            </a:r>
+            <a:r>
+              <a:rPr lang="en-US" dirty="0" err="1"/>
+              <a:t>multe</a:t>
+            </a:r>
+            <a:r>
+              <a:rPr lang="en-US" dirty="0"/>
+              <a:t> </a:t>
+            </a:r>
+            <a:r>
+              <a:rPr lang="en-US" dirty="0" err="1"/>
+              <a:t>simulari</a:t>
+            </a:r>
+            <a:r>
+              <a:rPr lang="en-US" dirty="0"/>
+              <a:t> </a:t>
+            </a:r>
+            <a:r>
+              <a:rPr lang="en-US" dirty="0" err="1"/>
+              <a:t>predefinite</a:t>
+            </a:r>
+            <a:r>
+              <a:rPr lang="en-US" dirty="0"/>
+              <a:t>. </a:t>
+            </a:r>
+            <a:r>
+              <a:rPr lang="en-US" dirty="0" err="1"/>
+              <a:t>Odata</a:t>
+            </a:r>
+            <a:r>
+              <a:rPr lang="en-US" dirty="0"/>
+              <a:t> </a:t>
+            </a:r>
+            <a:r>
+              <a:rPr lang="en-US" dirty="0" err="1"/>
+              <a:t>ce</a:t>
+            </a:r>
+            <a:r>
+              <a:rPr lang="en-US" dirty="0"/>
+              <a:t> au </a:t>
+            </a:r>
+            <a:r>
+              <a:rPr lang="en-US" dirty="0" err="1"/>
+              <a:t>selectat</a:t>
+            </a:r>
+            <a:r>
+              <a:rPr lang="en-US" dirty="0"/>
+              <a:t> o </a:t>
+            </a:r>
+            <a:r>
+              <a:rPr lang="en-US" dirty="0" err="1"/>
+              <a:t>simulare</a:t>
+            </a:r>
+            <a:r>
+              <a:rPr lang="en-US" dirty="0"/>
+              <a:t> </a:t>
+            </a:r>
+            <a:r>
+              <a:rPr lang="en-US" dirty="0" err="1"/>
+              <a:t>acestia</a:t>
+            </a:r>
+            <a:r>
+              <a:rPr lang="en-US" dirty="0"/>
+              <a:t> </a:t>
+            </a:r>
+            <a:r>
+              <a:rPr lang="en-US" dirty="0" err="1"/>
+              <a:t>vor</a:t>
+            </a:r>
+            <a:r>
+              <a:rPr lang="en-US" dirty="0"/>
+              <a:t> </a:t>
+            </a:r>
+            <a:r>
+              <a:rPr lang="en-US" dirty="0" err="1"/>
+              <a:t>putea</a:t>
+            </a:r>
+            <a:r>
+              <a:rPr lang="en-US" dirty="0"/>
+              <a:t> </a:t>
+            </a:r>
+            <a:r>
+              <a:rPr lang="en-US" dirty="0" err="1"/>
+              <a:t>interactiona</a:t>
+            </a:r>
+            <a:r>
+              <a:rPr lang="en-US" dirty="0"/>
+              <a:t> cu </a:t>
+            </a:r>
+            <a:r>
+              <a:rPr lang="en-US" dirty="0" err="1"/>
+              <a:t>simularea</a:t>
+            </a:r>
+            <a:r>
+              <a:rPr lang="en-US" dirty="0"/>
+              <a:t>, fie direct cu </a:t>
+            </a:r>
+            <a:r>
+              <a:rPr lang="en-US" dirty="0" err="1"/>
+              <a:t>obiectele</a:t>
+            </a:r>
+            <a:r>
+              <a:rPr lang="en-US" dirty="0"/>
+              <a:t> </a:t>
+            </a:r>
+            <a:r>
+              <a:rPr lang="en-US" dirty="0" err="1"/>
+              <a:t>ce</a:t>
+            </a:r>
+            <a:r>
+              <a:rPr lang="en-US" dirty="0"/>
+              <a:t> fac </a:t>
+            </a:r>
+            <a:r>
+              <a:rPr lang="en-US" dirty="0" err="1"/>
+              <a:t>parte</a:t>
+            </a:r>
+            <a:r>
+              <a:rPr lang="en-US" dirty="0"/>
+              <a:t> din </a:t>
+            </a:r>
+            <a:r>
+              <a:rPr lang="en-US" dirty="0" err="1"/>
+              <a:t>simulare</a:t>
+            </a:r>
+            <a:r>
+              <a:rPr lang="en-US" dirty="0"/>
+              <a:t>, fie </a:t>
+            </a:r>
+            <a:r>
+              <a:rPr lang="en-US" dirty="0" err="1"/>
+              <a:t>modificand</a:t>
+            </a:r>
+            <a:r>
+              <a:rPr lang="en-US" dirty="0"/>
+              <a:t> </a:t>
+            </a:r>
+            <a:r>
+              <a:rPr lang="en-US" dirty="0" err="1"/>
+              <a:t>parametrii</a:t>
+            </a:r>
+            <a:r>
+              <a:rPr lang="en-US" dirty="0"/>
+              <a:t> </a:t>
+            </a:r>
+            <a:r>
+              <a:rPr lang="en-US" dirty="0" err="1"/>
+              <a:t>simularii</a:t>
+            </a:r>
+            <a:r>
+              <a:rPr lang="en-US" dirty="0"/>
+              <a:t> </a:t>
+            </a:r>
+            <a:r>
+              <a:rPr lang="en-US" dirty="0" err="1"/>
+              <a:t>si</a:t>
+            </a:r>
+            <a:r>
+              <a:rPr lang="en-US" dirty="0"/>
+              <a:t> a </a:t>
+            </a:r>
+            <a:r>
+              <a:rPr lang="en-US" dirty="0" err="1"/>
+              <a:t>vedea</a:t>
+            </a:r>
+            <a:r>
+              <a:rPr lang="en-US" dirty="0"/>
+              <a:t> in </a:t>
+            </a:r>
+            <a:r>
+              <a:rPr lang="en-US" dirty="0" err="1"/>
+              <a:t>timp</a:t>
+            </a:r>
+            <a:r>
+              <a:rPr lang="en-US" dirty="0"/>
+              <a:t> real cum se </a:t>
+            </a:r>
+            <a:r>
+              <a:rPr lang="en-US" dirty="0" err="1"/>
+              <a:t>schimba</a:t>
+            </a:r>
+            <a:r>
+              <a:rPr lang="en-US" dirty="0"/>
+              <a:t> </a:t>
+            </a:r>
+            <a:r>
+              <a:rPr lang="en-US" dirty="0" err="1"/>
+              <a:t>aceasta</a:t>
+            </a:r>
+            <a:r>
+              <a:rPr lang="en-US" dirty="0"/>
+              <a:t>.</a:t>
+            </a:r>
+          </a:p>
+        </p:txBody>
+      </p:sp>
+    </p:spTree>
+    <p:extLst>
+      <p:ext uri="{BB962C8B-B14F-4D97-AF65-F5344CB8AC3E}">
+        <p14:creationId xmlns:p14="http://schemas.microsoft.com/office/powerpoint/2010/main" val="3212205998"/>
+      </p:ext>
+    </p:extLst>
+  </p:cSld>
+  <p:clrMapOvr>
+    <a:masterClrMapping/>
+  </p:clrMapOvr>
+</p:sld>
+</file>
+
+<file path=ppt/slides/slide8.xml><?xml version="1.0" encoding="utf-8"?>
+<p:sld xmlns:a="http://schemas.openxmlformats.org/drawingml/2006/main" xmlns:r="http://schemas.openxmlformats.org/officeDocument/2006/relationships" xmlns:p="http://schemas.openxmlformats.org/presentationml/2006/main">
+  <p:cSld>
+    <p:spTree>
+      <p:nvGrpSpPr>
+        <p:cNvPr id="1" name=""/>
+        <p:cNvGrpSpPr/>
+        <p:nvPr/>
+      </p:nvGrpSpPr>
+      <p:grpSpPr>
+        <a:xfrm>
+          <a:off x="0" y="0"/>
+          <a:ext cx="0" cy="0"/>
+          <a:chOff x="0" y="0"/>
+          <a:chExt cx="0" cy="0"/>
+        </a:xfrm>
+      </p:grpSpPr>
+      <p:sp>
+        <p:nvSpPr>
+          <p:cNvPr id="2" name="Title 1">
+            <a:extLst>
+              <a:ext uri="{FF2B5EF4-FFF2-40B4-BE49-F238E27FC236}">
+                <a16:creationId xmlns:a16="http://schemas.microsoft.com/office/drawing/2014/main" id="{F024810F-17CD-4EC0-8F9C-8044D0E09DF6}"/>
+              </a:ext>
+            </a:extLst>
+          </p:cNvPr>
+          <p:cNvSpPr>
+            <a:spLocks noGrp="1"/>
+          </p:cNvSpPr>
+          <p:nvPr>
+            <p:ph type="title"/>
+          </p:nvPr>
+        </p:nvSpPr>
+        <p:spPr>
+          <a:xfrm>
+            <a:off x="684212" y="683309"/>
+            <a:ext cx="8534400" cy="1507067"/>
+          </a:xfrm>
+        </p:spPr>
+        <p:txBody>
+          <a:bodyPr/>
+          <a:lstStyle/>
+          <a:p>
+            <a:r>
+              <a:rPr lang="en-US"/>
+              <a:t>Dezvoltari</a:t>
             </a:r>
             <a:r>
               <a:rPr lang="en-US" dirty="0"/>
